--- a/ReactJs.pptx
+++ b/ReactJs.pptx
@@ -27,6 +27,9 @@
     <p:sldId id="275" r:id="rId21"/>
     <p:sldId id="276" r:id="rId22"/>
     <p:sldId id="277" r:id="rId23"/>
+    <p:sldId id="278" r:id="rId24"/>
+    <p:sldId id="279" r:id="rId25"/>
+    <p:sldId id="280" r:id="rId26"/>
   </p:sldIdLst>
   <p:sldSz cx="12192000" cy="6858000"/>
   <p:notesSz cx="6858000" cy="9144000"/>
@@ -280,7 +283,7 @@
           <a:p>
             <a:fld id="{46343314-860B-47A2-BAD3-E2F473597A71}" type="datetimeFigureOut">
               <a:rPr lang="en-US" smtClean="0"/>
-              <a:t>3/1/2023</a:t>
+              <a:t>3/2/2023</a:t>
             </a:fld>
             <a:endParaRPr lang="en-US"/>
           </a:p>
@@ -478,7 +481,7 @@
           <a:p>
             <a:fld id="{46343314-860B-47A2-BAD3-E2F473597A71}" type="datetimeFigureOut">
               <a:rPr lang="en-US" smtClean="0"/>
-              <a:t>3/1/2023</a:t>
+              <a:t>3/2/2023</a:t>
             </a:fld>
             <a:endParaRPr lang="en-US"/>
           </a:p>
@@ -686,7 +689,7 @@
           <a:p>
             <a:fld id="{46343314-860B-47A2-BAD3-E2F473597A71}" type="datetimeFigureOut">
               <a:rPr lang="en-US" smtClean="0"/>
-              <a:t>3/1/2023</a:t>
+              <a:t>3/2/2023</a:t>
             </a:fld>
             <a:endParaRPr lang="en-US"/>
           </a:p>
@@ -884,7 +887,7 @@
           <a:p>
             <a:fld id="{46343314-860B-47A2-BAD3-E2F473597A71}" type="datetimeFigureOut">
               <a:rPr lang="en-US" smtClean="0"/>
-              <a:t>3/1/2023</a:t>
+              <a:t>3/2/2023</a:t>
             </a:fld>
             <a:endParaRPr lang="en-US"/>
           </a:p>
@@ -1159,7 +1162,7 @@
           <a:p>
             <a:fld id="{46343314-860B-47A2-BAD3-E2F473597A71}" type="datetimeFigureOut">
               <a:rPr lang="en-US" smtClean="0"/>
-              <a:t>3/1/2023</a:t>
+              <a:t>3/2/2023</a:t>
             </a:fld>
             <a:endParaRPr lang="en-US"/>
           </a:p>
@@ -1424,7 +1427,7 @@
           <a:p>
             <a:fld id="{46343314-860B-47A2-BAD3-E2F473597A71}" type="datetimeFigureOut">
               <a:rPr lang="en-US" smtClean="0"/>
-              <a:t>3/1/2023</a:t>
+              <a:t>3/2/2023</a:t>
             </a:fld>
             <a:endParaRPr lang="en-US"/>
           </a:p>
@@ -1836,7 +1839,7 @@
           <a:p>
             <a:fld id="{46343314-860B-47A2-BAD3-E2F473597A71}" type="datetimeFigureOut">
               <a:rPr lang="en-US" smtClean="0"/>
-              <a:t>3/1/2023</a:t>
+              <a:t>3/2/2023</a:t>
             </a:fld>
             <a:endParaRPr lang="en-US"/>
           </a:p>
@@ -1977,7 +1980,7 @@
           <a:p>
             <a:fld id="{46343314-860B-47A2-BAD3-E2F473597A71}" type="datetimeFigureOut">
               <a:rPr lang="en-US" smtClean="0"/>
-              <a:t>3/1/2023</a:t>
+              <a:t>3/2/2023</a:t>
             </a:fld>
             <a:endParaRPr lang="en-US"/>
           </a:p>
@@ -2090,7 +2093,7 @@
           <a:p>
             <a:fld id="{46343314-860B-47A2-BAD3-E2F473597A71}" type="datetimeFigureOut">
               <a:rPr lang="en-US" smtClean="0"/>
-              <a:t>3/1/2023</a:t>
+              <a:t>3/2/2023</a:t>
             </a:fld>
             <a:endParaRPr lang="en-US"/>
           </a:p>
@@ -2401,7 +2404,7 @@
           <a:p>
             <a:fld id="{46343314-860B-47A2-BAD3-E2F473597A71}" type="datetimeFigureOut">
               <a:rPr lang="en-US" smtClean="0"/>
-              <a:t>3/1/2023</a:t>
+              <a:t>3/2/2023</a:t>
             </a:fld>
             <a:endParaRPr lang="en-US"/>
           </a:p>
@@ -2689,7 +2692,7 @@
           <a:p>
             <a:fld id="{46343314-860B-47A2-BAD3-E2F473597A71}" type="datetimeFigureOut">
               <a:rPr lang="en-US" smtClean="0"/>
-              <a:t>3/1/2023</a:t>
+              <a:t>3/2/2023</a:t>
             </a:fld>
             <a:endParaRPr lang="en-US"/>
           </a:p>
@@ -2930,7 +2933,7 @@
           <a:p>
             <a:fld id="{46343314-860B-47A2-BAD3-E2F473597A71}" type="datetimeFigureOut">
               <a:rPr lang="en-US" smtClean="0"/>
-              <a:t>3/1/2023</a:t>
+              <a:t>3/2/2023</a:t>
             </a:fld>
             <a:endParaRPr lang="en-US"/>
           </a:p>
@@ -7394,6 +7397,309 @@
 </p:sld>
 </file>
 
+<file path=ppt/slides/slide23.xml><?xml version="1.0" encoding="utf-8"?>
+<p:sld xmlns:a="http://schemas.openxmlformats.org/drawingml/2006/main" xmlns:r="http://schemas.openxmlformats.org/officeDocument/2006/relationships" xmlns:p="http://schemas.openxmlformats.org/presentationml/2006/main">
+  <p:cSld>
+    <p:spTree>
+      <p:nvGrpSpPr>
+        <p:cNvPr id="1" name=""/>
+        <p:cNvGrpSpPr/>
+        <p:nvPr/>
+      </p:nvGrpSpPr>
+      <p:grpSpPr>
+        <a:xfrm>
+          <a:off x="0" y="0"/>
+          <a:ext cx="0" cy="0"/>
+          <a:chOff x="0" y="0"/>
+          <a:chExt cx="0" cy="0"/>
+        </a:xfrm>
+      </p:grpSpPr>
+      <p:sp>
+        <p:nvSpPr>
+          <p:cNvPr id="2" name="Title 1">
+            <a:extLst>
+              <a:ext uri="{FF2B5EF4-FFF2-40B4-BE49-F238E27FC236}">
+                <a16:creationId xmlns:a16="http://schemas.microsoft.com/office/drawing/2014/main" id="{7ACF741C-870D-C582-DA8A-754DF47E2436}"/>
+              </a:ext>
+            </a:extLst>
+          </p:cNvPr>
+          <p:cNvSpPr>
+            <a:spLocks noGrp="1"/>
+          </p:cNvSpPr>
+          <p:nvPr>
+            <p:ph type="title"/>
+          </p:nvPr>
+        </p:nvSpPr>
+        <p:spPr/>
+        <p:txBody>
+          <a:bodyPr/>
+          <a:lstStyle/>
+          <a:p>
+            <a:endParaRPr lang="en-US"/>
+          </a:p>
+        </p:txBody>
+      </p:sp>
+      <p:sp>
+        <p:nvSpPr>
+          <p:cNvPr id="3" name="Content Placeholder 2">
+            <a:extLst>
+              <a:ext uri="{FF2B5EF4-FFF2-40B4-BE49-F238E27FC236}">
+                <a16:creationId xmlns:a16="http://schemas.microsoft.com/office/drawing/2014/main" id="{74BD6E08-C9E0-1C49-ECC2-2B0D31A2E5E0}"/>
+              </a:ext>
+            </a:extLst>
+          </p:cNvPr>
+          <p:cNvSpPr>
+            <a:spLocks noGrp="1"/>
+          </p:cNvSpPr>
+          <p:nvPr>
+            <p:ph idx="1"/>
+          </p:nvPr>
+        </p:nvSpPr>
+        <p:spPr/>
+        <p:txBody>
+          <a:bodyPr/>
+          <a:lstStyle/>
+          <a:p>
+            <a:r>
+              <a:rPr lang="en-US" dirty="0"/>
+              <a:t>React Core Syntax &amp; JSX.</a:t>
+            </a:r>
+          </a:p>
+          <a:p>
+            <a:r>
+              <a:rPr lang="en-US" dirty="0"/>
+              <a:t>Working with Components</a:t>
+            </a:r>
+          </a:p>
+          <a:p>
+            <a:r>
+              <a:rPr lang="en-US" dirty="0"/>
+              <a:t>Working with Data</a:t>
+            </a:r>
+          </a:p>
+          <a:p>
+            <a:r>
+              <a:rPr lang="en-US" dirty="0"/>
+              <a:t>A closer Look At JSX</a:t>
+            </a:r>
+          </a:p>
+          <a:p>
+            <a:r>
+              <a:rPr lang="en-US" dirty="0"/>
+              <a:t>Organizing Component Files</a:t>
+            </a:r>
+          </a:p>
+          <a:p>
+            <a:r>
+              <a:rPr lang="en-US" dirty="0"/>
+              <a:t>An Alternative Function Syntax</a:t>
+            </a:r>
+          </a:p>
+        </p:txBody>
+      </p:sp>
+    </p:spTree>
+    <p:extLst>
+      <p:ext uri="{BB962C8B-B14F-4D97-AF65-F5344CB8AC3E}">
+        <p14:creationId xmlns:p14="http://schemas.microsoft.com/office/powerpoint/2010/main" val="1296006147"/>
+      </p:ext>
+    </p:extLst>
+  </p:cSld>
+  <p:clrMapOvr>
+    <a:masterClrMapping/>
+  </p:clrMapOvr>
+</p:sld>
+</file>
+
+<file path=ppt/slides/slide24.xml><?xml version="1.0" encoding="utf-8"?>
+<p:sld xmlns:a="http://schemas.openxmlformats.org/drawingml/2006/main" xmlns:r="http://schemas.openxmlformats.org/officeDocument/2006/relationships" xmlns:p="http://schemas.openxmlformats.org/presentationml/2006/main">
+  <p:cSld>
+    <p:spTree>
+      <p:nvGrpSpPr>
+        <p:cNvPr id="1" name=""/>
+        <p:cNvGrpSpPr/>
+        <p:nvPr/>
+      </p:nvGrpSpPr>
+      <p:grpSpPr>
+        <a:xfrm>
+          <a:off x="0" y="0"/>
+          <a:ext cx="0" cy="0"/>
+          <a:chOff x="0" y="0"/>
+          <a:chExt cx="0" cy="0"/>
+        </a:xfrm>
+      </p:grpSpPr>
+      <p:sp>
+        <p:nvSpPr>
+          <p:cNvPr id="2" name="Title 1">
+            <a:extLst>
+              <a:ext uri="{FF2B5EF4-FFF2-40B4-BE49-F238E27FC236}">
+                <a16:creationId xmlns:a16="http://schemas.microsoft.com/office/drawing/2014/main" id="{DA3FB29D-C651-2E67-31D8-60C81063A304}"/>
+              </a:ext>
+            </a:extLst>
+          </p:cNvPr>
+          <p:cNvSpPr>
+            <a:spLocks noGrp="1"/>
+          </p:cNvSpPr>
+          <p:nvPr>
+            <p:ph type="title"/>
+          </p:nvPr>
+        </p:nvSpPr>
+        <p:spPr/>
+        <p:txBody>
+          <a:bodyPr/>
+          <a:lstStyle/>
+          <a:p>
+            <a:r>
+              <a:rPr lang="en-US" dirty="0"/>
+              <a:t>Module Content</a:t>
+            </a:r>
+          </a:p>
+        </p:txBody>
+      </p:sp>
+      <p:sp>
+        <p:nvSpPr>
+          <p:cNvPr id="3" name="Content Placeholder 2">
+            <a:extLst>
+              <a:ext uri="{FF2B5EF4-FFF2-40B4-BE49-F238E27FC236}">
+                <a16:creationId xmlns:a16="http://schemas.microsoft.com/office/drawing/2014/main" id="{B3F3D528-7FFD-5FEF-A82F-156398955A7C}"/>
+              </a:ext>
+            </a:extLst>
+          </p:cNvPr>
+          <p:cNvSpPr>
+            <a:spLocks noGrp="1"/>
+          </p:cNvSpPr>
+          <p:nvPr>
+            <p:ph idx="1"/>
+          </p:nvPr>
+        </p:nvSpPr>
+        <p:spPr/>
+        <p:txBody>
+          <a:bodyPr/>
+          <a:lstStyle/>
+          <a:p>
+            <a:pPr marL="0" indent="0">
+              <a:buNone/>
+            </a:pPr>
+            <a:r>
+              <a:rPr lang="en-US" dirty="0"/>
+              <a:t>Handling Events</a:t>
+            </a:r>
+          </a:p>
+          <a:p>
+            <a:pPr marL="0" indent="0">
+              <a:buNone/>
+            </a:pPr>
+            <a:r>
+              <a:rPr lang="en-US" dirty="0"/>
+              <a:t>Updating the UI &amp; Working with “State”</a:t>
+            </a:r>
+          </a:p>
+          <a:p>
+            <a:pPr marL="0" indent="0">
+              <a:buNone/>
+            </a:pPr>
+            <a:r>
+              <a:rPr lang="en-US" dirty="0"/>
+              <a:t>A closer look at components &amp; state</a:t>
+            </a:r>
+          </a:p>
+        </p:txBody>
+      </p:sp>
+    </p:spTree>
+    <p:extLst>
+      <p:ext uri="{BB962C8B-B14F-4D97-AF65-F5344CB8AC3E}">
+        <p14:creationId xmlns:p14="http://schemas.microsoft.com/office/powerpoint/2010/main" val="2355998631"/>
+      </p:ext>
+    </p:extLst>
+  </p:cSld>
+  <p:clrMapOvr>
+    <a:masterClrMapping/>
+  </p:clrMapOvr>
+</p:sld>
+</file>
+
+<file path=ppt/slides/slide25.xml><?xml version="1.0" encoding="utf-8"?>
+<p:sld xmlns:a="http://schemas.openxmlformats.org/drawingml/2006/main" xmlns:r="http://schemas.openxmlformats.org/officeDocument/2006/relationships" xmlns:p="http://schemas.openxmlformats.org/presentationml/2006/main">
+  <p:cSld>
+    <p:spTree>
+      <p:nvGrpSpPr>
+        <p:cNvPr id="1" name=""/>
+        <p:cNvGrpSpPr/>
+        <p:nvPr/>
+      </p:nvGrpSpPr>
+      <p:grpSpPr>
+        <a:xfrm>
+          <a:off x="0" y="0"/>
+          <a:ext cx="0" cy="0"/>
+          <a:chOff x="0" y="0"/>
+          <a:chExt cx="0" cy="0"/>
+        </a:xfrm>
+      </p:grpSpPr>
+      <p:sp>
+        <p:nvSpPr>
+          <p:cNvPr id="2" name="Title 1">
+            <a:extLst>
+              <a:ext uri="{FF2B5EF4-FFF2-40B4-BE49-F238E27FC236}">
+                <a16:creationId xmlns:a16="http://schemas.microsoft.com/office/drawing/2014/main" id="{97C3E838-5A2F-049A-F08C-E78EF842EEE9}"/>
+              </a:ext>
+            </a:extLst>
+          </p:cNvPr>
+          <p:cNvSpPr>
+            <a:spLocks noGrp="1"/>
+          </p:cNvSpPr>
+          <p:nvPr>
+            <p:ph type="title"/>
+          </p:nvPr>
+        </p:nvSpPr>
+        <p:spPr/>
+        <p:txBody>
+          <a:bodyPr/>
+          <a:lstStyle/>
+          <a:p>
+            <a:endParaRPr lang="en-US"/>
+          </a:p>
+        </p:txBody>
+      </p:sp>
+      <p:sp>
+        <p:nvSpPr>
+          <p:cNvPr id="3" name="Content Placeholder 2">
+            <a:extLst>
+              <a:ext uri="{FF2B5EF4-FFF2-40B4-BE49-F238E27FC236}">
+                <a16:creationId xmlns:a16="http://schemas.microsoft.com/office/drawing/2014/main" id="{B8B864A5-1661-5708-EA27-D14F9E063E36}"/>
+              </a:ext>
+            </a:extLst>
+          </p:cNvPr>
+          <p:cNvSpPr>
+            <a:spLocks noGrp="1"/>
+          </p:cNvSpPr>
+          <p:nvPr>
+            <p:ph idx="1"/>
+          </p:nvPr>
+        </p:nvSpPr>
+        <p:spPr/>
+        <p:txBody>
+          <a:bodyPr/>
+          <a:lstStyle/>
+          <a:p>
+            <a:r>
+              <a:rPr lang="en-US" dirty="0"/>
+              <a:t>Listening to Events &amp; Working with Event Handlers</a:t>
+            </a:r>
+          </a:p>
+        </p:txBody>
+      </p:sp>
+    </p:spTree>
+    <p:extLst>
+      <p:ext uri="{BB962C8B-B14F-4D97-AF65-F5344CB8AC3E}">
+        <p14:creationId xmlns:p14="http://schemas.microsoft.com/office/powerpoint/2010/main" val="1554484093"/>
+      </p:ext>
+    </p:extLst>
+  </p:cSld>
+  <p:clrMapOvr>
+    <a:masterClrMapping/>
+  </p:clrMapOvr>
+</p:sld>
+</file>
+
 <file path=ppt/slides/slide3.xml><?xml version="1.0" encoding="utf-8"?>
 <p:sld xmlns:a="http://schemas.openxmlformats.org/drawingml/2006/main" xmlns:r="http://schemas.openxmlformats.org/officeDocument/2006/relationships" xmlns:p="http://schemas.openxmlformats.org/presentationml/2006/main">
   <p:cSld>

--- a/ReactJs.pptx
+++ b/ReactJs.pptx
@@ -30,6 +30,9 @@
     <p:sldId id="278" r:id="rId24"/>
     <p:sldId id="279" r:id="rId25"/>
     <p:sldId id="280" r:id="rId26"/>
+    <p:sldId id="281" r:id="rId27"/>
+    <p:sldId id="282" r:id="rId28"/>
+    <p:sldId id="283" r:id="rId29"/>
   </p:sldIdLst>
   <p:sldSz cx="12192000" cy="6858000"/>
   <p:notesSz cx="6858000" cy="9144000"/>
@@ -283,7 +286,7 @@
           <a:p>
             <a:fld id="{46343314-860B-47A2-BAD3-E2F473597A71}" type="datetimeFigureOut">
               <a:rPr lang="en-US" smtClean="0"/>
-              <a:t>3/2/2023</a:t>
+              <a:t>3/14/2023</a:t>
             </a:fld>
             <a:endParaRPr lang="en-US"/>
           </a:p>
@@ -481,7 +484,7 @@
           <a:p>
             <a:fld id="{46343314-860B-47A2-BAD3-E2F473597A71}" type="datetimeFigureOut">
               <a:rPr lang="en-US" smtClean="0"/>
-              <a:t>3/2/2023</a:t>
+              <a:t>3/14/2023</a:t>
             </a:fld>
             <a:endParaRPr lang="en-US"/>
           </a:p>
@@ -689,7 +692,7 @@
           <a:p>
             <a:fld id="{46343314-860B-47A2-BAD3-E2F473597A71}" type="datetimeFigureOut">
               <a:rPr lang="en-US" smtClean="0"/>
-              <a:t>3/2/2023</a:t>
+              <a:t>3/14/2023</a:t>
             </a:fld>
             <a:endParaRPr lang="en-US"/>
           </a:p>
@@ -887,7 +890,7 @@
           <a:p>
             <a:fld id="{46343314-860B-47A2-BAD3-E2F473597A71}" type="datetimeFigureOut">
               <a:rPr lang="en-US" smtClean="0"/>
-              <a:t>3/2/2023</a:t>
+              <a:t>3/14/2023</a:t>
             </a:fld>
             <a:endParaRPr lang="en-US"/>
           </a:p>
@@ -1162,7 +1165,7 @@
           <a:p>
             <a:fld id="{46343314-860B-47A2-BAD3-E2F473597A71}" type="datetimeFigureOut">
               <a:rPr lang="en-US" smtClean="0"/>
-              <a:t>3/2/2023</a:t>
+              <a:t>3/14/2023</a:t>
             </a:fld>
             <a:endParaRPr lang="en-US"/>
           </a:p>
@@ -1427,7 +1430,7 @@
           <a:p>
             <a:fld id="{46343314-860B-47A2-BAD3-E2F473597A71}" type="datetimeFigureOut">
               <a:rPr lang="en-US" smtClean="0"/>
-              <a:t>3/2/2023</a:t>
+              <a:t>3/14/2023</a:t>
             </a:fld>
             <a:endParaRPr lang="en-US"/>
           </a:p>
@@ -1839,7 +1842,7 @@
           <a:p>
             <a:fld id="{46343314-860B-47A2-BAD3-E2F473597A71}" type="datetimeFigureOut">
               <a:rPr lang="en-US" smtClean="0"/>
-              <a:t>3/2/2023</a:t>
+              <a:t>3/14/2023</a:t>
             </a:fld>
             <a:endParaRPr lang="en-US"/>
           </a:p>
@@ -1980,7 +1983,7 @@
           <a:p>
             <a:fld id="{46343314-860B-47A2-BAD3-E2F473597A71}" type="datetimeFigureOut">
               <a:rPr lang="en-US" smtClean="0"/>
-              <a:t>3/2/2023</a:t>
+              <a:t>3/14/2023</a:t>
             </a:fld>
             <a:endParaRPr lang="en-US"/>
           </a:p>
@@ -2093,7 +2096,7 @@
           <a:p>
             <a:fld id="{46343314-860B-47A2-BAD3-E2F473597A71}" type="datetimeFigureOut">
               <a:rPr lang="en-US" smtClean="0"/>
-              <a:t>3/2/2023</a:t>
+              <a:t>3/14/2023</a:t>
             </a:fld>
             <a:endParaRPr lang="en-US"/>
           </a:p>
@@ -2404,7 +2407,7 @@
           <a:p>
             <a:fld id="{46343314-860B-47A2-BAD3-E2F473597A71}" type="datetimeFigureOut">
               <a:rPr lang="en-US" smtClean="0"/>
-              <a:t>3/2/2023</a:t>
+              <a:t>3/14/2023</a:t>
             </a:fld>
             <a:endParaRPr lang="en-US"/>
           </a:p>
@@ -2692,7 +2695,7 @@
           <a:p>
             <a:fld id="{46343314-860B-47A2-BAD3-E2F473597A71}" type="datetimeFigureOut">
               <a:rPr lang="en-US" smtClean="0"/>
-              <a:t>3/2/2023</a:t>
+              <a:t>3/14/2023</a:t>
             </a:fld>
             <a:endParaRPr lang="en-US"/>
           </a:p>
@@ -2933,7 +2936,7 @@
           <a:p>
             <a:fld id="{46343314-860B-47A2-BAD3-E2F473597A71}" type="datetimeFigureOut">
               <a:rPr lang="en-US" smtClean="0"/>
-              <a:t>3/2/2023</a:t>
+              <a:t>3/14/2023</a:t>
             </a:fld>
             <a:endParaRPr lang="en-US"/>
           </a:p>
@@ -7677,12 +7680,76 @@
         </p:nvSpPr>
         <p:spPr/>
         <p:txBody>
-          <a:bodyPr/>
+          <a:bodyPr>
+            <a:normAutofit fontScale="92500" lnSpcReduction="20000"/>
+          </a:bodyPr>
           <a:lstStyle/>
           <a:p>
             <a:r>
               <a:rPr lang="en-US" dirty="0"/>
               <a:t>Listening to Events &amp; Working with Event Handlers</a:t>
+            </a:r>
+          </a:p>
+          <a:p>
+            <a:r>
+              <a:rPr lang="en-US" dirty="0"/>
+              <a:t>Working with State</a:t>
+            </a:r>
+          </a:p>
+          <a:p>
+            <a:r>
+              <a:rPr lang="en-US" dirty="0"/>
+              <a:t>A closer look at the </a:t>
+            </a:r>
+            <a:r>
+              <a:rPr lang="en-US" dirty="0" err="1"/>
+              <a:t>useState</a:t>
+            </a:r>
+            <a:r>
+              <a:rPr lang="en-US" dirty="0"/>
+              <a:t> Hook.</a:t>
+            </a:r>
+          </a:p>
+          <a:p>
+            <a:r>
+              <a:rPr lang="en-US" dirty="0"/>
+              <a:t>Adding Form Input.</a:t>
+            </a:r>
+          </a:p>
+          <a:p>
+            <a:r>
+              <a:rPr lang="en-US" dirty="0"/>
+              <a:t>Listening to User Input.</a:t>
+            </a:r>
+          </a:p>
+          <a:p>
+            <a:r>
+              <a:rPr lang="en-US" dirty="0"/>
+              <a:t>Working with Multiple States</a:t>
+            </a:r>
+          </a:p>
+          <a:p>
+            <a:r>
+              <a:rPr lang="en-US" dirty="0"/>
+              <a:t>Using One State Instead.</a:t>
+            </a:r>
+          </a:p>
+          <a:p>
+            <a:r>
+              <a:rPr lang="en-US" dirty="0"/>
+              <a:t>Updating state that depends on the previous state.</a:t>
+            </a:r>
+          </a:p>
+          <a:p>
+            <a:r>
+              <a:rPr lang="en-US" dirty="0"/>
+              <a:t>Handling Form Submission</a:t>
+            </a:r>
+          </a:p>
+          <a:p>
+            <a:r>
+              <a:rPr lang="en-US" dirty="0"/>
+              <a:t>Adding Two-Way binding</a:t>
             </a:r>
           </a:p>
         </p:txBody>
@@ -7691,6 +7758,973 @@
     <p:extLst>
       <p:ext uri="{BB962C8B-B14F-4D97-AF65-F5344CB8AC3E}">
         <p14:creationId xmlns:p14="http://schemas.microsoft.com/office/powerpoint/2010/main" val="1554484093"/>
+      </p:ext>
+    </p:extLst>
+  </p:cSld>
+  <p:clrMapOvr>
+    <a:masterClrMapping/>
+  </p:clrMapOvr>
+</p:sld>
+</file>
+
+<file path=ppt/slides/slide26.xml><?xml version="1.0" encoding="utf-8"?>
+<p:sld xmlns:a="http://schemas.openxmlformats.org/drawingml/2006/main" xmlns:r="http://schemas.openxmlformats.org/officeDocument/2006/relationships" xmlns:p="http://schemas.openxmlformats.org/presentationml/2006/main">
+  <p:cSld>
+    <p:spTree>
+      <p:nvGrpSpPr>
+        <p:cNvPr id="1" name=""/>
+        <p:cNvGrpSpPr/>
+        <p:nvPr/>
+      </p:nvGrpSpPr>
+      <p:grpSpPr>
+        <a:xfrm>
+          <a:off x="0" y="0"/>
+          <a:ext cx="0" cy="0"/>
+          <a:chOff x="0" y="0"/>
+          <a:chExt cx="0" cy="0"/>
+        </a:xfrm>
+      </p:grpSpPr>
+      <p:sp>
+        <p:nvSpPr>
+          <p:cNvPr id="3" name="Content Placeholder 2">
+            <a:extLst>
+              <a:ext uri="{FF2B5EF4-FFF2-40B4-BE49-F238E27FC236}">
+                <a16:creationId xmlns:a16="http://schemas.microsoft.com/office/drawing/2014/main" id="{62604B4C-FFA1-47E1-2B25-0B09CEF83C39}"/>
+              </a:ext>
+            </a:extLst>
+          </p:cNvPr>
+          <p:cNvSpPr>
+            <a:spLocks noGrp="1"/>
+          </p:cNvSpPr>
+          <p:nvPr>
+            <p:ph idx="1"/>
+          </p:nvPr>
+        </p:nvSpPr>
+        <p:spPr>
+          <a:xfrm>
+            <a:off x="838200" y="377371"/>
+            <a:ext cx="10515600" cy="5799592"/>
+          </a:xfrm>
+        </p:spPr>
+        <p:txBody>
+          <a:bodyPr/>
+          <a:lstStyle/>
+          <a:p>
+            <a:r>
+              <a:rPr lang="en-US" dirty="0"/>
+              <a:t>Child-to-Parent Component Communication.</a:t>
+            </a:r>
+          </a:p>
+          <a:p>
+            <a:endParaRPr lang="en-US" dirty="0"/>
+          </a:p>
+          <a:p>
+            <a:r>
+              <a:rPr lang="en-US" dirty="0"/>
+              <a:t>Controlled vs Uncontrolled Components.</a:t>
+            </a:r>
+          </a:p>
+          <a:p>
+            <a:r>
+              <a:rPr lang="en-US" dirty="0"/>
+              <a:t>Stateless vs Stateful Components.</a:t>
+            </a:r>
+          </a:p>
+          <a:p>
+            <a:endParaRPr lang="en-US" dirty="0"/>
+          </a:p>
+          <a:p>
+            <a:pPr marL="0" indent="0">
+              <a:buNone/>
+            </a:pPr>
+            <a:endParaRPr lang="en-US" dirty="0"/>
+          </a:p>
+        </p:txBody>
+      </p:sp>
+    </p:spTree>
+    <p:extLst>
+      <p:ext uri="{BB962C8B-B14F-4D97-AF65-F5344CB8AC3E}">
+        <p14:creationId xmlns:p14="http://schemas.microsoft.com/office/powerpoint/2010/main" val="3573046365"/>
+      </p:ext>
+    </p:extLst>
+  </p:cSld>
+  <p:clrMapOvr>
+    <a:masterClrMapping/>
+  </p:clrMapOvr>
+</p:sld>
+</file>
+
+<file path=ppt/slides/slide27.xml><?xml version="1.0" encoding="utf-8"?>
+<p:sld xmlns:a="http://schemas.openxmlformats.org/drawingml/2006/main" xmlns:r="http://schemas.openxmlformats.org/officeDocument/2006/relationships" xmlns:p="http://schemas.openxmlformats.org/presentationml/2006/main">
+  <p:cSld>
+    <p:spTree>
+      <p:nvGrpSpPr>
+        <p:cNvPr id="1" name=""/>
+        <p:cNvGrpSpPr/>
+        <p:nvPr/>
+      </p:nvGrpSpPr>
+      <p:grpSpPr>
+        <a:xfrm>
+          <a:off x="0" y="0"/>
+          <a:ext cx="0" cy="0"/>
+          <a:chOff x="0" y="0"/>
+          <a:chExt cx="0" cy="0"/>
+        </a:xfrm>
+      </p:grpSpPr>
+      <p:sp>
+        <p:nvSpPr>
+          <p:cNvPr id="2" name="Title 1">
+            <a:extLst>
+              <a:ext uri="{FF2B5EF4-FFF2-40B4-BE49-F238E27FC236}">
+                <a16:creationId xmlns:a16="http://schemas.microsoft.com/office/drawing/2014/main" id="{7874DCA7-C9C4-ECA3-2827-0E0BB96320A4}"/>
+              </a:ext>
+            </a:extLst>
+          </p:cNvPr>
+          <p:cNvSpPr>
+            <a:spLocks noGrp="1"/>
+          </p:cNvSpPr>
+          <p:nvPr>
+            <p:ph type="title"/>
+          </p:nvPr>
+        </p:nvSpPr>
+        <p:spPr>
+          <a:xfrm>
+            <a:off x="1186543" y="5348514"/>
+            <a:ext cx="10515600" cy="1325563"/>
+          </a:xfrm>
+        </p:spPr>
+        <p:txBody>
+          <a:bodyPr/>
+          <a:lstStyle/>
+          <a:p>
+            <a:r>
+              <a:rPr lang="en-US" dirty="0"/>
+              <a:t>Lifting State Up</a:t>
+            </a:r>
+          </a:p>
+        </p:txBody>
+      </p:sp>
+      <p:sp>
+        <p:nvSpPr>
+          <p:cNvPr id="4" name="Rectangle 3">
+            <a:extLst>
+              <a:ext uri="{FF2B5EF4-FFF2-40B4-BE49-F238E27FC236}">
+                <a16:creationId xmlns:a16="http://schemas.microsoft.com/office/drawing/2014/main" id="{C9FDD885-7A47-87DC-1F80-DE424110AD7C}"/>
+              </a:ext>
+            </a:extLst>
+          </p:cNvPr>
+          <p:cNvSpPr/>
+          <p:nvPr/>
+        </p:nvSpPr>
+        <p:spPr>
+          <a:xfrm>
+            <a:off x="4499429" y="1509486"/>
+            <a:ext cx="2656114" cy="914400"/>
+          </a:xfrm>
+          <a:prstGeom prst="rect">
+            <a:avLst/>
+          </a:prstGeom>
+          <a:solidFill>
+            <a:schemeClr val="accent2"/>
+          </a:solidFill>
+        </p:spPr>
+        <p:style>
+          <a:lnRef idx="2">
+            <a:schemeClr val="accent1">
+              <a:shade val="50000"/>
+            </a:schemeClr>
+          </a:lnRef>
+          <a:fillRef idx="1">
+            <a:schemeClr val="accent1"/>
+          </a:fillRef>
+          <a:effectRef idx="0">
+            <a:schemeClr val="accent1"/>
+          </a:effectRef>
+          <a:fontRef idx="minor">
+            <a:schemeClr val="lt1"/>
+          </a:fontRef>
+        </p:style>
+        <p:txBody>
+          <a:bodyPr rtlCol="0" anchor="ctr"/>
+          <a:lstStyle/>
+          <a:p>
+            <a:pPr algn="ctr"/>
+            <a:r>
+              <a:rPr lang="en-US" sz="4000" dirty="0"/>
+              <a:t>&lt;App /&gt;</a:t>
+            </a:r>
+          </a:p>
+          <a:p>
+            <a:pPr algn="ctr"/>
+            <a:r>
+              <a:rPr lang="en-US" sz="3200" dirty="0"/>
+              <a:t>State</a:t>
+            </a:r>
+          </a:p>
+        </p:txBody>
+      </p:sp>
+      <p:sp>
+        <p:nvSpPr>
+          <p:cNvPr id="5" name="Rectangle 4">
+            <a:extLst>
+              <a:ext uri="{FF2B5EF4-FFF2-40B4-BE49-F238E27FC236}">
+                <a16:creationId xmlns:a16="http://schemas.microsoft.com/office/drawing/2014/main" id="{4238A9DF-741B-533A-B84B-08C6BA32E6B9}"/>
+              </a:ext>
+            </a:extLst>
+          </p:cNvPr>
+          <p:cNvSpPr/>
+          <p:nvPr/>
+        </p:nvSpPr>
+        <p:spPr>
+          <a:xfrm>
+            <a:off x="1364342" y="3429000"/>
+            <a:ext cx="3004457" cy="914400"/>
+          </a:xfrm>
+          <a:prstGeom prst="rect">
+            <a:avLst/>
+          </a:prstGeom>
+          <a:solidFill>
+            <a:schemeClr val="accent6">
+              <a:lumMod val="50000"/>
+            </a:schemeClr>
+          </a:solidFill>
+        </p:spPr>
+        <p:style>
+          <a:lnRef idx="2">
+            <a:schemeClr val="accent1">
+              <a:shade val="50000"/>
+            </a:schemeClr>
+          </a:lnRef>
+          <a:fillRef idx="1">
+            <a:schemeClr val="accent1"/>
+          </a:fillRef>
+          <a:effectRef idx="0">
+            <a:schemeClr val="accent1"/>
+          </a:effectRef>
+          <a:fontRef idx="minor">
+            <a:schemeClr val="lt1"/>
+          </a:fontRef>
+        </p:style>
+        <p:txBody>
+          <a:bodyPr rtlCol="0" anchor="ctr"/>
+          <a:lstStyle/>
+          <a:p>
+            <a:pPr algn="ctr"/>
+            <a:r>
+              <a:rPr lang="en-US" dirty="0"/>
+              <a:t>&lt;Expenses /&gt;</a:t>
+            </a:r>
+          </a:p>
+        </p:txBody>
+      </p:sp>
+      <p:sp>
+        <p:nvSpPr>
+          <p:cNvPr id="6" name="Rectangle 5">
+            <a:extLst>
+              <a:ext uri="{FF2B5EF4-FFF2-40B4-BE49-F238E27FC236}">
+                <a16:creationId xmlns:a16="http://schemas.microsoft.com/office/drawing/2014/main" id="{BB1AB687-A8A4-0F40-BFB4-199F47FECB89}"/>
+              </a:ext>
+            </a:extLst>
+          </p:cNvPr>
+          <p:cNvSpPr/>
+          <p:nvPr/>
+        </p:nvSpPr>
+        <p:spPr>
+          <a:xfrm>
+            <a:off x="7678057" y="3429000"/>
+            <a:ext cx="3004457" cy="914400"/>
+          </a:xfrm>
+          <a:prstGeom prst="rect">
+            <a:avLst/>
+          </a:prstGeom>
+          <a:solidFill>
+            <a:schemeClr val="accent6">
+              <a:lumMod val="50000"/>
+            </a:schemeClr>
+          </a:solidFill>
+        </p:spPr>
+        <p:style>
+          <a:lnRef idx="2">
+            <a:schemeClr val="accent1">
+              <a:shade val="50000"/>
+            </a:schemeClr>
+          </a:lnRef>
+          <a:fillRef idx="1">
+            <a:schemeClr val="accent1"/>
+          </a:fillRef>
+          <a:effectRef idx="0">
+            <a:schemeClr val="accent1"/>
+          </a:effectRef>
+          <a:fontRef idx="minor">
+            <a:schemeClr val="lt1"/>
+          </a:fontRef>
+        </p:style>
+        <p:txBody>
+          <a:bodyPr rtlCol="0" anchor="ctr"/>
+          <a:lstStyle/>
+          <a:p>
+            <a:pPr algn="ctr"/>
+            <a:r>
+              <a:rPr lang="en-US" dirty="0"/>
+              <a:t>&lt;</a:t>
+            </a:r>
+            <a:r>
+              <a:rPr lang="en-US" dirty="0" err="1"/>
+              <a:t>NewExpense</a:t>
+            </a:r>
+            <a:r>
+              <a:rPr lang="en-US" dirty="0"/>
+              <a:t> /&gt;</a:t>
+            </a:r>
+          </a:p>
+        </p:txBody>
+      </p:sp>
+      <p:sp>
+        <p:nvSpPr>
+          <p:cNvPr id="7" name="Oval 6">
+            <a:extLst>
+              <a:ext uri="{FF2B5EF4-FFF2-40B4-BE49-F238E27FC236}">
+                <a16:creationId xmlns:a16="http://schemas.microsoft.com/office/drawing/2014/main" id="{CD573906-F757-7FCD-4BFB-C69CF6186E03}"/>
+              </a:ext>
+            </a:extLst>
+          </p:cNvPr>
+          <p:cNvSpPr/>
+          <p:nvPr/>
+        </p:nvSpPr>
+        <p:spPr>
+          <a:xfrm>
+            <a:off x="8135257" y="4169228"/>
+            <a:ext cx="2416630" cy="780143"/>
+          </a:xfrm>
+          <a:prstGeom prst="ellipse">
+            <a:avLst/>
+          </a:prstGeom>
+          <a:solidFill>
+            <a:schemeClr val="accent2">
+              <a:lumMod val="75000"/>
+            </a:schemeClr>
+          </a:solidFill>
+        </p:spPr>
+        <p:style>
+          <a:lnRef idx="2">
+            <a:schemeClr val="accent1">
+              <a:shade val="50000"/>
+            </a:schemeClr>
+          </a:lnRef>
+          <a:fillRef idx="1">
+            <a:schemeClr val="accent1"/>
+          </a:fillRef>
+          <a:effectRef idx="0">
+            <a:schemeClr val="accent1"/>
+          </a:effectRef>
+          <a:fontRef idx="minor">
+            <a:schemeClr val="lt1"/>
+          </a:fontRef>
+        </p:style>
+        <p:txBody>
+          <a:bodyPr rtlCol="0" anchor="ctr"/>
+          <a:lstStyle/>
+          <a:p>
+            <a:pPr algn="ctr"/>
+            <a:r>
+              <a:rPr lang="en-US" dirty="0"/>
+              <a:t>Data/State is generated here</a:t>
+            </a:r>
+          </a:p>
+        </p:txBody>
+      </p:sp>
+      <p:sp>
+        <p:nvSpPr>
+          <p:cNvPr id="8" name="Oval 7">
+            <a:extLst>
+              <a:ext uri="{FF2B5EF4-FFF2-40B4-BE49-F238E27FC236}">
+                <a16:creationId xmlns:a16="http://schemas.microsoft.com/office/drawing/2014/main" id="{36A6D711-B9E1-7A50-C94D-43C686BAE94D}"/>
+              </a:ext>
+            </a:extLst>
+          </p:cNvPr>
+          <p:cNvSpPr/>
+          <p:nvPr/>
+        </p:nvSpPr>
+        <p:spPr>
+          <a:xfrm>
+            <a:off x="1658255" y="4169228"/>
+            <a:ext cx="2416630" cy="780143"/>
+          </a:xfrm>
+          <a:prstGeom prst="ellipse">
+            <a:avLst/>
+          </a:prstGeom>
+          <a:solidFill>
+            <a:schemeClr val="accent2">
+              <a:lumMod val="75000"/>
+            </a:schemeClr>
+          </a:solidFill>
+        </p:spPr>
+        <p:style>
+          <a:lnRef idx="2">
+            <a:schemeClr val="accent1">
+              <a:shade val="50000"/>
+            </a:schemeClr>
+          </a:lnRef>
+          <a:fillRef idx="1">
+            <a:schemeClr val="accent1"/>
+          </a:fillRef>
+          <a:effectRef idx="0">
+            <a:schemeClr val="accent1"/>
+          </a:effectRef>
+          <a:fontRef idx="minor">
+            <a:schemeClr val="lt1"/>
+          </a:fontRef>
+        </p:style>
+        <p:txBody>
+          <a:bodyPr rtlCol="0" anchor="ctr"/>
+          <a:lstStyle/>
+          <a:p>
+            <a:pPr algn="ctr"/>
+            <a:r>
+              <a:rPr lang="en-US" dirty="0"/>
+              <a:t>Data/State is needed here</a:t>
+            </a:r>
+          </a:p>
+        </p:txBody>
+      </p:sp>
+      <p:cxnSp>
+        <p:nvCxnSpPr>
+          <p:cNvPr id="10" name="Connector: Elbow 9">
+            <a:extLst>
+              <a:ext uri="{FF2B5EF4-FFF2-40B4-BE49-F238E27FC236}">
+                <a16:creationId xmlns:a16="http://schemas.microsoft.com/office/drawing/2014/main" id="{B584CD85-D2EA-6226-0DD7-E1C8F6888D50}"/>
+              </a:ext>
+            </a:extLst>
+          </p:cNvPr>
+          <p:cNvCxnSpPr/>
+          <p:nvPr/>
+        </p:nvCxnSpPr>
+        <p:spPr>
+          <a:xfrm rot="10800000">
+            <a:off x="4673601" y="3886201"/>
+            <a:ext cx="2699657" cy="148771"/>
+          </a:xfrm>
+          <a:prstGeom prst="bentConnector3">
+            <a:avLst/>
+          </a:prstGeom>
+          <a:ln>
+            <a:tailEnd type="triangle"/>
+          </a:ln>
+        </p:spPr>
+        <p:style>
+          <a:lnRef idx="1">
+            <a:schemeClr val="accent1"/>
+          </a:lnRef>
+          <a:fillRef idx="0">
+            <a:schemeClr val="accent1"/>
+          </a:fillRef>
+          <a:effectRef idx="0">
+            <a:schemeClr val="accent1"/>
+          </a:effectRef>
+          <a:fontRef idx="minor">
+            <a:schemeClr val="tx1"/>
+          </a:fontRef>
+        </p:style>
+      </p:cxnSp>
+      <p:sp>
+        <p:nvSpPr>
+          <p:cNvPr id="11" name="&quot;Not Allowed&quot; Symbol 10">
+            <a:extLst>
+              <a:ext uri="{FF2B5EF4-FFF2-40B4-BE49-F238E27FC236}">
+                <a16:creationId xmlns:a16="http://schemas.microsoft.com/office/drawing/2014/main" id="{706FB9DD-4E0F-D890-3F9B-21A29209DAA8}"/>
+              </a:ext>
+            </a:extLst>
+          </p:cNvPr>
+          <p:cNvSpPr/>
+          <p:nvPr/>
+        </p:nvSpPr>
+        <p:spPr>
+          <a:xfrm>
+            <a:off x="5508171" y="3519715"/>
+            <a:ext cx="1175657" cy="914400"/>
+          </a:xfrm>
+          <a:prstGeom prst="noSmoking">
+            <a:avLst/>
+          </a:prstGeom>
+          <a:solidFill>
+            <a:srgbClr val="FF0000"/>
+          </a:solidFill>
+        </p:spPr>
+        <p:style>
+          <a:lnRef idx="2">
+            <a:schemeClr val="accent1">
+              <a:shade val="50000"/>
+            </a:schemeClr>
+          </a:lnRef>
+          <a:fillRef idx="1">
+            <a:schemeClr val="accent1"/>
+          </a:fillRef>
+          <a:effectRef idx="0">
+            <a:schemeClr val="accent1"/>
+          </a:effectRef>
+          <a:fontRef idx="minor">
+            <a:schemeClr val="lt1"/>
+          </a:fontRef>
+        </p:style>
+        <p:txBody>
+          <a:bodyPr rtlCol="0" anchor="ctr"/>
+          <a:lstStyle/>
+          <a:p>
+            <a:pPr algn="ctr"/>
+            <a:endParaRPr lang="en-US">
+              <a:solidFill>
+                <a:schemeClr val="tx1"/>
+              </a:solidFill>
+            </a:endParaRPr>
+          </a:p>
+        </p:txBody>
+      </p:sp>
+      <p:cxnSp>
+        <p:nvCxnSpPr>
+          <p:cNvPr id="17" name="Connector: Elbow 16">
+            <a:extLst>
+              <a:ext uri="{FF2B5EF4-FFF2-40B4-BE49-F238E27FC236}">
+                <a16:creationId xmlns:a16="http://schemas.microsoft.com/office/drawing/2014/main" id="{61FA4F17-861A-7FE2-C35E-F7C707367892}"/>
+              </a:ext>
+            </a:extLst>
+          </p:cNvPr>
+          <p:cNvCxnSpPr>
+            <a:stCxn id="4" idx="2"/>
+            <a:endCxn id="5" idx="0"/>
+          </p:cNvCxnSpPr>
+          <p:nvPr/>
+        </p:nvCxnSpPr>
+        <p:spPr>
+          <a:xfrm rot="5400000">
+            <a:off x="3844472" y="1445986"/>
+            <a:ext cx="1005114" cy="2960915"/>
+          </a:xfrm>
+          <a:prstGeom prst="bentConnector3">
+            <a:avLst/>
+          </a:prstGeom>
+          <a:ln>
+            <a:solidFill>
+              <a:schemeClr val="accent6">
+                <a:lumMod val="50000"/>
+              </a:schemeClr>
+            </a:solidFill>
+          </a:ln>
+        </p:spPr>
+        <p:style>
+          <a:lnRef idx="1">
+            <a:schemeClr val="accent1"/>
+          </a:lnRef>
+          <a:fillRef idx="0">
+            <a:schemeClr val="accent1"/>
+          </a:fillRef>
+          <a:effectRef idx="0">
+            <a:schemeClr val="accent1"/>
+          </a:effectRef>
+          <a:fontRef idx="minor">
+            <a:schemeClr val="tx1"/>
+          </a:fontRef>
+        </p:style>
+      </p:cxnSp>
+      <p:cxnSp>
+        <p:nvCxnSpPr>
+          <p:cNvPr id="19" name="Connector: Elbow 18">
+            <a:extLst>
+              <a:ext uri="{FF2B5EF4-FFF2-40B4-BE49-F238E27FC236}">
+                <a16:creationId xmlns:a16="http://schemas.microsoft.com/office/drawing/2014/main" id="{696D46D8-913B-7657-E1C6-64CD7F46643A}"/>
+              </a:ext>
+            </a:extLst>
+          </p:cNvPr>
+          <p:cNvCxnSpPr>
+            <a:stCxn id="4" idx="2"/>
+            <a:endCxn id="6" idx="0"/>
+          </p:cNvCxnSpPr>
+          <p:nvPr/>
+        </p:nvCxnSpPr>
+        <p:spPr>
+          <a:xfrm rot="16200000" flipH="1">
+            <a:off x="7001329" y="1250043"/>
+            <a:ext cx="1005114" cy="3352800"/>
+          </a:xfrm>
+          <a:prstGeom prst="bentConnector3">
+            <a:avLst/>
+          </a:prstGeom>
+          <a:ln>
+            <a:solidFill>
+              <a:schemeClr val="accent6">
+                <a:lumMod val="50000"/>
+              </a:schemeClr>
+            </a:solidFill>
+          </a:ln>
+        </p:spPr>
+        <p:style>
+          <a:lnRef idx="1">
+            <a:schemeClr val="accent1"/>
+          </a:lnRef>
+          <a:fillRef idx="0">
+            <a:schemeClr val="accent1"/>
+          </a:fillRef>
+          <a:effectRef idx="0">
+            <a:schemeClr val="accent1"/>
+          </a:effectRef>
+          <a:fontRef idx="minor">
+            <a:schemeClr val="tx1"/>
+          </a:fontRef>
+        </p:style>
+      </p:cxnSp>
+      <p:cxnSp>
+        <p:nvCxnSpPr>
+          <p:cNvPr id="21" name="Connector: Elbow 20">
+            <a:extLst>
+              <a:ext uri="{FF2B5EF4-FFF2-40B4-BE49-F238E27FC236}">
+                <a16:creationId xmlns:a16="http://schemas.microsoft.com/office/drawing/2014/main" id="{2923ACFC-9AB2-828D-4DEE-A6C52A7C22F4}"/>
+              </a:ext>
+            </a:extLst>
+          </p:cNvPr>
+          <p:cNvCxnSpPr>
+            <a:stCxn id="6" idx="3"/>
+            <a:endCxn id="4" idx="3"/>
+          </p:cNvCxnSpPr>
+          <p:nvPr/>
+        </p:nvCxnSpPr>
+        <p:spPr>
+          <a:xfrm flipH="1" flipV="1">
+            <a:off x="7155543" y="1966686"/>
+            <a:ext cx="3526971" cy="1919514"/>
+          </a:xfrm>
+          <a:prstGeom prst="bentConnector3">
+            <a:avLst>
+              <a:gd name="adj1" fmla="val -6481"/>
+            </a:avLst>
+          </a:prstGeom>
+          <a:ln w="38100">
+            <a:solidFill>
+              <a:schemeClr val="accent2">
+                <a:lumMod val="75000"/>
+              </a:schemeClr>
+            </a:solidFill>
+            <a:tailEnd type="triangle"/>
+          </a:ln>
+        </p:spPr>
+        <p:style>
+          <a:lnRef idx="1">
+            <a:schemeClr val="accent1"/>
+          </a:lnRef>
+          <a:fillRef idx="0">
+            <a:schemeClr val="accent1"/>
+          </a:fillRef>
+          <a:effectRef idx="0">
+            <a:schemeClr val="accent1"/>
+          </a:effectRef>
+          <a:fontRef idx="minor">
+            <a:schemeClr val="tx1"/>
+          </a:fontRef>
+        </p:style>
+      </p:cxnSp>
+      <p:sp>
+        <p:nvSpPr>
+          <p:cNvPr id="22" name="Oval 21">
+            <a:extLst>
+              <a:ext uri="{FF2B5EF4-FFF2-40B4-BE49-F238E27FC236}">
+                <a16:creationId xmlns:a16="http://schemas.microsoft.com/office/drawing/2014/main" id="{8F5960F6-E810-A665-264E-58FA090F5B46}"/>
+              </a:ext>
+            </a:extLst>
+          </p:cNvPr>
+          <p:cNvSpPr/>
+          <p:nvPr/>
+        </p:nvSpPr>
+        <p:spPr>
+          <a:xfrm>
+            <a:off x="7899401" y="771069"/>
+            <a:ext cx="3004457" cy="1005115"/>
+          </a:xfrm>
+          <a:prstGeom prst="ellipse">
+            <a:avLst/>
+          </a:prstGeom>
+        </p:spPr>
+        <p:style>
+          <a:lnRef idx="2">
+            <a:schemeClr val="accent1">
+              <a:shade val="50000"/>
+            </a:schemeClr>
+          </a:lnRef>
+          <a:fillRef idx="1">
+            <a:schemeClr val="accent1"/>
+          </a:fillRef>
+          <a:effectRef idx="0">
+            <a:schemeClr val="accent1"/>
+          </a:effectRef>
+          <a:fontRef idx="minor">
+            <a:schemeClr val="lt1"/>
+          </a:fontRef>
+        </p:style>
+        <p:txBody>
+          <a:bodyPr rtlCol="0" anchor="ctr"/>
+          <a:lstStyle/>
+          <a:p>
+            <a:pPr algn="ctr"/>
+            <a:r>
+              <a:rPr lang="en-US" dirty="0"/>
+              <a:t>“Lifting the state up”</a:t>
+            </a:r>
+          </a:p>
+        </p:txBody>
+      </p:sp>
+      <p:cxnSp>
+        <p:nvCxnSpPr>
+          <p:cNvPr id="26" name="Connector: Elbow 25">
+            <a:extLst>
+              <a:ext uri="{FF2B5EF4-FFF2-40B4-BE49-F238E27FC236}">
+                <a16:creationId xmlns:a16="http://schemas.microsoft.com/office/drawing/2014/main" id="{AA4CEB99-6975-CD16-E050-F760E394B30E}"/>
+              </a:ext>
+            </a:extLst>
+          </p:cNvPr>
+          <p:cNvCxnSpPr>
+            <a:stCxn id="4" idx="1"/>
+            <a:endCxn id="5" idx="1"/>
+          </p:cNvCxnSpPr>
+          <p:nvPr/>
+        </p:nvCxnSpPr>
+        <p:spPr>
+          <a:xfrm rot="10800000" flipV="1">
+            <a:off x="1364343" y="1966686"/>
+            <a:ext cx="3135087" cy="1919514"/>
+          </a:xfrm>
+          <a:prstGeom prst="bentConnector3">
+            <a:avLst>
+              <a:gd name="adj1" fmla="val 107292"/>
+            </a:avLst>
+          </a:prstGeom>
+          <a:ln w="57150">
+            <a:solidFill>
+              <a:schemeClr val="accent2">
+                <a:lumMod val="75000"/>
+              </a:schemeClr>
+            </a:solidFill>
+            <a:tailEnd type="triangle"/>
+          </a:ln>
+        </p:spPr>
+        <p:style>
+          <a:lnRef idx="1">
+            <a:schemeClr val="accent1"/>
+          </a:lnRef>
+          <a:fillRef idx="0">
+            <a:schemeClr val="accent1"/>
+          </a:fillRef>
+          <a:effectRef idx="0">
+            <a:schemeClr val="accent1"/>
+          </a:effectRef>
+          <a:fontRef idx="minor">
+            <a:schemeClr val="tx1"/>
+          </a:fontRef>
+        </p:style>
+      </p:cxnSp>
+      <p:sp>
+        <p:nvSpPr>
+          <p:cNvPr id="27" name="Oval 26">
+            <a:extLst>
+              <a:ext uri="{FF2B5EF4-FFF2-40B4-BE49-F238E27FC236}">
+                <a16:creationId xmlns:a16="http://schemas.microsoft.com/office/drawing/2014/main" id="{89E50CC3-D827-BF05-69A1-4BE4E6FE5144}"/>
+              </a:ext>
+            </a:extLst>
+          </p:cNvPr>
+          <p:cNvSpPr/>
+          <p:nvPr/>
+        </p:nvSpPr>
+        <p:spPr>
+          <a:xfrm>
+            <a:off x="1471386" y="1324430"/>
+            <a:ext cx="2394858" cy="594858"/>
+          </a:xfrm>
+          <a:prstGeom prst="ellipse">
+            <a:avLst/>
+          </a:prstGeom>
+        </p:spPr>
+        <p:style>
+          <a:lnRef idx="2">
+            <a:schemeClr val="accent1">
+              <a:shade val="50000"/>
+            </a:schemeClr>
+          </a:lnRef>
+          <a:fillRef idx="1">
+            <a:schemeClr val="accent1"/>
+          </a:fillRef>
+          <a:effectRef idx="0">
+            <a:schemeClr val="accent1"/>
+          </a:effectRef>
+          <a:fontRef idx="minor">
+            <a:schemeClr val="lt1"/>
+          </a:fontRef>
+        </p:style>
+        <p:txBody>
+          <a:bodyPr rtlCol="0" anchor="ctr"/>
+          <a:lstStyle/>
+          <a:p>
+            <a:pPr algn="ctr"/>
+            <a:r>
+              <a:rPr lang="en-US" dirty="0"/>
+              <a:t>Pass state data via props</a:t>
+            </a:r>
+          </a:p>
+        </p:txBody>
+      </p:sp>
+      <p:sp>
+        <p:nvSpPr>
+          <p:cNvPr id="28" name="Oval 27">
+            <a:extLst>
+              <a:ext uri="{FF2B5EF4-FFF2-40B4-BE49-F238E27FC236}">
+                <a16:creationId xmlns:a16="http://schemas.microsoft.com/office/drawing/2014/main" id="{1AAE4161-86BC-3560-9AB9-F2B2B45D3618}"/>
+              </a:ext>
+            </a:extLst>
+          </p:cNvPr>
+          <p:cNvSpPr/>
+          <p:nvPr/>
+        </p:nvSpPr>
+        <p:spPr>
+          <a:xfrm>
+            <a:off x="3323773" y="246969"/>
+            <a:ext cx="4441371" cy="1195617"/>
+          </a:xfrm>
+          <a:prstGeom prst="ellipse">
+            <a:avLst/>
+          </a:prstGeom>
+        </p:spPr>
+        <p:style>
+          <a:lnRef idx="2">
+            <a:schemeClr val="accent1">
+              <a:shade val="50000"/>
+            </a:schemeClr>
+          </a:lnRef>
+          <a:fillRef idx="1">
+            <a:schemeClr val="accent1"/>
+          </a:fillRef>
+          <a:effectRef idx="0">
+            <a:schemeClr val="accent1"/>
+          </a:effectRef>
+          <a:fontRef idx="minor">
+            <a:schemeClr val="lt1"/>
+          </a:fontRef>
+        </p:style>
+        <p:txBody>
+          <a:bodyPr rtlCol="0" anchor="ctr"/>
+          <a:lstStyle/>
+          <a:p>
+            <a:pPr algn="ctr"/>
+            <a:r>
+              <a:rPr lang="en-US" dirty="0"/>
+              <a:t>This component has access to both involved components</a:t>
+            </a:r>
+          </a:p>
+        </p:txBody>
+      </p:sp>
+    </p:spTree>
+    <p:extLst>
+      <p:ext uri="{BB962C8B-B14F-4D97-AF65-F5344CB8AC3E}">
+        <p14:creationId xmlns:p14="http://schemas.microsoft.com/office/powerpoint/2010/main" val="3526326205"/>
+      </p:ext>
+    </p:extLst>
+  </p:cSld>
+  <p:clrMapOvr>
+    <a:masterClrMapping/>
+  </p:clrMapOvr>
+</p:sld>
+</file>
+
+<file path=ppt/slides/slide28.xml><?xml version="1.0" encoding="utf-8"?>
+<p:sld xmlns:a="http://schemas.openxmlformats.org/drawingml/2006/main" xmlns:r="http://schemas.openxmlformats.org/officeDocument/2006/relationships" xmlns:p="http://schemas.openxmlformats.org/presentationml/2006/main">
+  <p:cSld>
+    <p:spTree>
+      <p:nvGrpSpPr>
+        <p:cNvPr id="1" name=""/>
+        <p:cNvGrpSpPr/>
+        <p:nvPr/>
+      </p:nvGrpSpPr>
+      <p:grpSpPr>
+        <a:xfrm>
+          <a:off x="0" y="0"/>
+          <a:ext cx="0" cy="0"/>
+          <a:chOff x="0" y="0"/>
+          <a:chExt cx="0" cy="0"/>
+        </a:xfrm>
+      </p:grpSpPr>
+      <p:sp>
+        <p:nvSpPr>
+          <p:cNvPr id="3" name="Content Placeholder 2">
+            <a:extLst>
+              <a:ext uri="{FF2B5EF4-FFF2-40B4-BE49-F238E27FC236}">
+                <a16:creationId xmlns:a16="http://schemas.microsoft.com/office/drawing/2014/main" id="{BDBE5BE8-CDAC-2C31-2D45-4E2C546AB166}"/>
+              </a:ext>
+            </a:extLst>
+          </p:cNvPr>
+          <p:cNvSpPr>
+            <a:spLocks noGrp="1"/>
+          </p:cNvSpPr>
+          <p:nvPr>
+            <p:ph idx="1"/>
+          </p:nvPr>
+        </p:nvSpPr>
+        <p:spPr>
+          <a:xfrm>
+            <a:off x="838200" y="377371"/>
+            <a:ext cx="10515600" cy="5799592"/>
+          </a:xfrm>
+        </p:spPr>
+        <p:txBody>
+          <a:bodyPr/>
+          <a:lstStyle/>
+          <a:p>
+            <a:r>
+              <a:rPr lang="en-US" dirty="0"/>
+              <a:t>Rendering Lists of Data</a:t>
+            </a:r>
+          </a:p>
+          <a:p>
+            <a:r>
+              <a:rPr lang="en-US" dirty="0"/>
+              <a:t>Using Stateful Lists</a:t>
+            </a:r>
+          </a:p>
+          <a:p>
+            <a:r>
+              <a:rPr lang="en-US" dirty="0"/>
+              <a:t>Understanding Keys</a:t>
+            </a:r>
+          </a:p>
+          <a:p>
+            <a:r>
+              <a:rPr lang="en-US" dirty="0"/>
+              <a:t>Outputting Conditional Content</a:t>
+            </a:r>
+          </a:p>
+          <a:p>
+            <a:r>
+              <a:rPr lang="en-US" dirty="0"/>
+              <a:t>Adding Conditional return Statement</a:t>
+            </a:r>
+          </a:p>
+          <a:p>
+            <a:r>
+              <a:rPr lang="en-US" dirty="0"/>
+              <a:t>Demo App Adding a Chart</a:t>
+            </a:r>
+          </a:p>
+          <a:p>
+            <a:r>
+              <a:rPr lang="en-US" dirty="0"/>
+              <a:t>Adding Dynamic Styles</a:t>
+            </a:r>
+          </a:p>
+          <a:p>
+            <a:r>
+              <a:rPr lang="en-US" dirty="0"/>
+              <a:t>Wrap UP</a:t>
+            </a:r>
+          </a:p>
+        </p:txBody>
+      </p:sp>
+    </p:spTree>
+    <p:extLst>
+      <p:ext uri="{BB962C8B-B14F-4D97-AF65-F5344CB8AC3E}">
+        <p14:creationId xmlns:p14="http://schemas.microsoft.com/office/powerpoint/2010/main" val="2252166866"/>
       </p:ext>
     </p:extLst>
   </p:cSld>
